--- a/slides/6-Metodos_Static_Package.pptx
+++ b/slides/6-Metodos_Static_Package.pptx
@@ -219,7 +219,7 @@
             <a:fld id="{503B8178-8A45-4C2E-9DB7-194A84701E99}" type="datetimeFigureOut">
               <a:rPr lang="pt-BR" smtClean="0"/>
               <a:pPr/>
-              <a:t>21/01/2012</a:t>
+              <a:t>08/02/2012</a:t>
             </a:fld>
             <a:endParaRPr lang="pt-BR"/>
           </a:p>
@@ -388,6 +388,11 @@
         </p:txBody>
       </p:sp>
     </p:spTree>
+    <p:extLst>
+      <p:ext uri="{BB962C8B-B14F-4D97-AF65-F5344CB8AC3E}">
+        <p14:creationId xmlns:p14="http://schemas.microsoft.com/office/powerpoint/2010/main" val="3226592121"/>
+      </p:ext>
+    </p:extLst>
   </p:cSld>
   <p:clrMap bg1="lt1" tx1="dk1" bg2="lt2" tx2="dk2" accent1="accent1" accent2="accent2" accent3="accent3" accent4="accent4" accent5="accent5" accent6="accent6" hlink="hlink" folHlink="folHlink"/>
   <p:notesStyle>
@@ -2890,7 +2895,7 @@
             <a:fld id="{C1675C04-B1D7-4314-A174-D1660FB6FF37}" type="datetimeFigureOut">
               <a:rPr lang="pt-BR" smtClean="0"/>
               <a:pPr/>
-              <a:t>21/01/2012</a:t>
+              <a:t>08/02/2012</a:t>
             </a:fld>
             <a:endParaRPr lang="pt-BR"/>
           </a:p>
@@ -2942,7 +2947,7 @@
     </p:spTree>
     <p:extLst>
       <p:ext uri="{BB962C8B-B14F-4D97-AF65-F5344CB8AC3E}">
-        <p14:creationId xmlns="" xmlns:p14="http://schemas.microsoft.com/office/powerpoint/2010/main" val="3819067513"/>
+        <p14:creationId xmlns:p14="http://schemas.microsoft.com/office/powerpoint/2010/main" val="3819067513"/>
       </p:ext>
     </p:extLst>
   </p:cSld>
@@ -3114,7 +3119,7 @@
             <a:fld id="{C1675C04-B1D7-4314-A174-D1660FB6FF37}" type="datetimeFigureOut">
               <a:rPr lang="pt-BR" smtClean="0"/>
               <a:pPr/>
-              <a:t>21/01/2012</a:t>
+              <a:t>08/02/2012</a:t>
             </a:fld>
             <a:endParaRPr lang="pt-BR"/>
           </a:p>
@@ -3166,7 +3171,7 @@
     </p:spTree>
     <p:extLst>
       <p:ext uri="{BB962C8B-B14F-4D97-AF65-F5344CB8AC3E}">
-        <p14:creationId xmlns="" xmlns:p14="http://schemas.microsoft.com/office/powerpoint/2010/main" val="4293683188"/>
+        <p14:creationId xmlns:p14="http://schemas.microsoft.com/office/powerpoint/2010/main" val="4293683188"/>
       </p:ext>
     </p:extLst>
   </p:cSld>
@@ -3348,7 +3353,7 @@
             <a:fld id="{C1675C04-B1D7-4314-A174-D1660FB6FF37}" type="datetimeFigureOut">
               <a:rPr lang="pt-BR" smtClean="0"/>
               <a:pPr/>
-              <a:t>21/01/2012</a:t>
+              <a:t>08/02/2012</a:t>
             </a:fld>
             <a:endParaRPr lang="pt-BR"/>
           </a:p>
@@ -3400,7 +3405,7 @@
     </p:spTree>
     <p:extLst>
       <p:ext uri="{BB962C8B-B14F-4D97-AF65-F5344CB8AC3E}">
-        <p14:creationId xmlns="" xmlns:p14="http://schemas.microsoft.com/office/powerpoint/2010/main" val="932540526"/>
+        <p14:creationId xmlns:p14="http://schemas.microsoft.com/office/powerpoint/2010/main" val="932540526"/>
       </p:ext>
     </p:extLst>
   </p:cSld>
@@ -3447,7 +3452,7 @@
           <a:blip r:embed="rId2" cstate="print">
             <a:extLst>
               <a:ext uri="{BEBA8EAE-BF5A-486C-A8C5-ECC9F3942E4B}">
-                <a14:imgProps xmlns="" xmlns:a14="http://schemas.microsoft.com/office/drawing/2010/main">
+                <a14:imgProps xmlns:a14="http://schemas.microsoft.com/office/drawing/2010/main">
                   <a14:imgLayer r:embed="rId3">
                     <a14:imgEffect>
                       <a14:artisticBlur/>
@@ -3456,7 +3461,7 @@
                 </a14:imgProps>
               </a:ext>
               <a:ext uri="{28A0092B-C50C-407E-A947-70E740481C1C}">
-                <a14:useLocalDpi xmlns="" xmlns:a14="http://schemas.microsoft.com/office/drawing/2010/main" val="0"/>
+                <a14:useLocalDpi xmlns:a14="http://schemas.microsoft.com/office/drawing/2010/main" val="0"/>
               </a:ext>
             </a:extLst>
           </a:blip>
@@ -3478,14 +3483,14 @@
           </a:ln>
           <a:extLst>
             <a:ext uri="{909E8E84-426E-40DD-AFC4-6F175D3DCCD1}">
-              <a14:hiddenFill xmlns="" xmlns:a14="http://schemas.microsoft.com/office/drawing/2010/main">
+              <a14:hiddenFill xmlns:a14="http://schemas.microsoft.com/office/drawing/2010/main">
                 <a:solidFill>
                   <a:schemeClr val="accent1"/>
                 </a:solidFill>
               </a14:hiddenFill>
             </a:ext>
             <a:ext uri="{91240B29-F687-4F45-9708-019B960494DF}">
-              <a14:hiddenLine xmlns="" xmlns:a14="http://schemas.microsoft.com/office/drawing/2010/main" w="9525">
+              <a14:hiddenLine xmlns:a14="http://schemas.microsoft.com/office/drawing/2010/main" w="9525">
                 <a:solidFill>
                   <a:schemeClr val="tx1"/>
                 </a:solidFill>
@@ -3495,7 +3500,7 @@
               </a14:hiddenLine>
             </a:ext>
             <a:ext uri="{AF507438-7753-43E0-B8FC-AC1667EBCBE1}">
-              <a14:hiddenEffects xmlns="" xmlns:a14="http://schemas.microsoft.com/office/drawing/2010/main">
+              <a14:hiddenEffects xmlns:a14="http://schemas.microsoft.com/office/drawing/2010/main">
                 <a:effectLst>
                   <a:outerShdw dist="35921" dir="2700000" algn="ctr" rotWithShape="0">
                     <a:schemeClr val="bg2"/>
@@ -3691,7 +3696,7 @@
             <a:fld id="{C1675C04-B1D7-4314-A174-D1660FB6FF37}" type="datetimeFigureOut">
               <a:rPr lang="pt-BR" smtClean="0"/>
               <a:pPr/>
-              <a:t>21/01/2012</a:t>
+              <a:t>08/02/2012</a:t>
             </a:fld>
             <a:endParaRPr lang="pt-BR"/>
           </a:p>
@@ -3743,7 +3748,7 @@
     </p:spTree>
     <p:extLst>
       <p:ext uri="{BB962C8B-B14F-4D97-AF65-F5344CB8AC3E}">
-        <p14:creationId xmlns="" xmlns:p14="http://schemas.microsoft.com/office/powerpoint/2010/main" val="1140807732"/>
+        <p14:creationId xmlns:p14="http://schemas.microsoft.com/office/powerpoint/2010/main" val="1140807732"/>
       </p:ext>
     </p:extLst>
   </p:cSld>
@@ -3949,7 +3954,7 @@
             <a:fld id="{C1675C04-B1D7-4314-A174-D1660FB6FF37}" type="datetimeFigureOut">
               <a:rPr lang="pt-BR" smtClean="0"/>
               <a:pPr/>
-              <a:t>21/01/2012</a:t>
+              <a:t>08/02/2012</a:t>
             </a:fld>
             <a:endParaRPr lang="pt-BR"/>
           </a:p>
@@ -4001,7 +4006,7 @@
     </p:spTree>
     <p:extLst>
       <p:ext uri="{BB962C8B-B14F-4D97-AF65-F5344CB8AC3E}">
-        <p14:creationId xmlns="" xmlns:p14="http://schemas.microsoft.com/office/powerpoint/2010/main" val="3735907881"/>
+        <p14:creationId xmlns:p14="http://schemas.microsoft.com/office/powerpoint/2010/main" val="3735907881"/>
       </p:ext>
     </p:extLst>
   </p:cSld>
@@ -4295,7 +4300,7 @@
             <a:fld id="{C1675C04-B1D7-4314-A174-D1660FB6FF37}" type="datetimeFigureOut">
               <a:rPr lang="pt-BR" smtClean="0"/>
               <a:pPr/>
-              <a:t>21/01/2012</a:t>
+              <a:t>08/02/2012</a:t>
             </a:fld>
             <a:endParaRPr lang="pt-BR"/>
           </a:p>
@@ -4347,7 +4352,7 @@
     </p:spTree>
     <p:extLst>
       <p:ext uri="{BB962C8B-B14F-4D97-AF65-F5344CB8AC3E}">
-        <p14:creationId xmlns="" xmlns:p14="http://schemas.microsoft.com/office/powerpoint/2010/main" val="2820318444"/>
+        <p14:creationId xmlns:p14="http://schemas.microsoft.com/office/powerpoint/2010/main" val="2820318444"/>
       </p:ext>
     </p:extLst>
   </p:cSld>
@@ -4779,7 +4784,7 @@
             <a:fld id="{C1675C04-B1D7-4314-A174-D1660FB6FF37}" type="datetimeFigureOut">
               <a:rPr lang="pt-BR" smtClean="0"/>
               <a:pPr/>
-              <a:t>21/01/2012</a:t>
+              <a:t>08/02/2012</a:t>
             </a:fld>
             <a:endParaRPr lang="pt-BR"/>
           </a:p>
@@ -4831,7 +4836,7 @@
     </p:spTree>
     <p:extLst>
       <p:ext uri="{BB962C8B-B14F-4D97-AF65-F5344CB8AC3E}">
-        <p14:creationId xmlns="" xmlns:p14="http://schemas.microsoft.com/office/powerpoint/2010/main" val="566552069"/>
+        <p14:creationId xmlns:p14="http://schemas.microsoft.com/office/powerpoint/2010/main" val="566552069"/>
       </p:ext>
     </p:extLst>
   </p:cSld>
@@ -4915,7 +4920,7 @@
             <a:fld id="{C1675C04-B1D7-4314-A174-D1660FB6FF37}" type="datetimeFigureOut">
               <a:rPr lang="pt-BR" smtClean="0"/>
               <a:pPr/>
-              <a:t>21/01/2012</a:t>
+              <a:t>08/02/2012</a:t>
             </a:fld>
             <a:endParaRPr lang="pt-BR"/>
           </a:p>
@@ -4967,7 +4972,7 @@
     </p:spTree>
     <p:extLst>
       <p:ext uri="{BB962C8B-B14F-4D97-AF65-F5344CB8AC3E}">
-        <p14:creationId xmlns="" xmlns:p14="http://schemas.microsoft.com/office/powerpoint/2010/main" val="1358390184"/>
+        <p14:creationId xmlns:p14="http://schemas.microsoft.com/office/powerpoint/2010/main" val="1358390184"/>
       </p:ext>
     </p:extLst>
   </p:cSld>
@@ -5020,7 +5025,7 @@
             <a:fld id="{C1675C04-B1D7-4314-A174-D1660FB6FF37}" type="datetimeFigureOut">
               <a:rPr lang="pt-BR" smtClean="0"/>
               <a:pPr/>
-              <a:t>21/01/2012</a:t>
+              <a:t>08/02/2012</a:t>
             </a:fld>
             <a:endParaRPr lang="pt-BR"/>
           </a:p>
@@ -5072,7 +5077,7 @@
     </p:spTree>
     <p:extLst>
       <p:ext uri="{BB962C8B-B14F-4D97-AF65-F5344CB8AC3E}">
-        <p14:creationId xmlns="" xmlns:p14="http://schemas.microsoft.com/office/powerpoint/2010/main" val="3705262111"/>
+        <p14:creationId xmlns:p14="http://schemas.microsoft.com/office/powerpoint/2010/main" val="3705262111"/>
       </p:ext>
     </p:extLst>
   </p:cSld>
@@ -5335,7 +5340,7 @@
             <a:fld id="{C1675C04-B1D7-4314-A174-D1660FB6FF37}" type="datetimeFigureOut">
               <a:rPr lang="pt-BR" smtClean="0"/>
               <a:pPr/>
-              <a:t>21/01/2012</a:t>
+              <a:t>08/02/2012</a:t>
             </a:fld>
             <a:endParaRPr lang="pt-BR"/>
           </a:p>
@@ -5387,7 +5392,7 @@
     </p:spTree>
     <p:extLst>
       <p:ext uri="{BB962C8B-B14F-4D97-AF65-F5344CB8AC3E}">
-        <p14:creationId xmlns="" xmlns:p14="http://schemas.microsoft.com/office/powerpoint/2010/main" val="2189634051"/>
+        <p14:creationId xmlns:p14="http://schemas.microsoft.com/office/powerpoint/2010/main" val="2189634051"/>
       </p:ext>
     </p:extLst>
   </p:cSld>
@@ -5610,7 +5615,7 @@
             <a:fld id="{C1675C04-B1D7-4314-A174-D1660FB6FF37}" type="datetimeFigureOut">
               <a:rPr lang="pt-BR" smtClean="0"/>
               <a:pPr/>
-              <a:t>21/01/2012</a:t>
+              <a:t>08/02/2012</a:t>
             </a:fld>
             <a:endParaRPr lang="pt-BR"/>
           </a:p>
@@ -5662,7 +5667,7 @@
     </p:spTree>
     <p:extLst>
       <p:ext uri="{BB962C8B-B14F-4D97-AF65-F5344CB8AC3E}">
-        <p14:creationId xmlns="" xmlns:p14="http://schemas.microsoft.com/office/powerpoint/2010/main" val="3848481695"/>
+        <p14:creationId xmlns:p14="http://schemas.microsoft.com/office/powerpoint/2010/main" val="3848481695"/>
       </p:ext>
     </p:extLst>
   </p:cSld>
@@ -5826,7 +5831,7 @@
             <a:fld id="{C1675C04-B1D7-4314-A174-D1660FB6FF37}" type="datetimeFigureOut">
               <a:rPr lang="pt-BR" smtClean="0"/>
               <a:pPr/>
-              <a:t>21/01/2012</a:t>
+              <a:t>08/02/2012</a:t>
             </a:fld>
             <a:endParaRPr lang="pt-BR"/>
           </a:p>
@@ -5940,7 +5945,7 @@
     </p:spTree>
     <p:extLst>
       <p:ext uri="{BB962C8B-B14F-4D97-AF65-F5344CB8AC3E}">
-        <p14:creationId xmlns="" xmlns:p14="http://schemas.microsoft.com/office/powerpoint/2010/main" val="2257276274"/>
+        <p14:creationId xmlns:p14="http://schemas.microsoft.com/office/powerpoint/2010/main" val="2257276274"/>
       </p:ext>
     </p:extLst>
   </p:cSld>
@@ -6248,7 +6253,7 @@
           <a:blip r:embed="rId3" cstate="print">
             <a:extLst>
               <a:ext uri="{28A0092B-C50C-407E-A947-70E740481C1C}">
-                <a14:useLocalDpi xmlns="" xmlns:a14="http://schemas.microsoft.com/office/drawing/2010/main" val="0"/>
+                <a14:useLocalDpi xmlns:a14="http://schemas.microsoft.com/office/drawing/2010/main" val="0"/>
               </a:ext>
             </a:extLst>
           </a:blip>
@@ -6272,14 +6277,14 @@
           <a:effectLst/>
           <a:extLst>
             <a:ext uri="{909E8E84-426E-40DD-AFC4-6F175D3DCCD1}">
-              <a14:hiddenFill xmlns="" xmlns:a14="http://schemas.microsoft.com/office/drawing/2010/main">
+              <a14:hiddenFill xmlns:a14="http://schemas.microsoft.com/office/drawing/2010/main">
                 <a:solidFill>
                   <a:schemeClr val="accent1"/>
                 </a:solidFill>
               </a14:hiddenFill>
             </a:ext>
             <a:ext uri="{91240B29-F687-4F45-9708-019B960494DF}">
-              <a14:hiddenLine xmlns="" xmlns:a14="http://schemas.microsoft.com/office/drawing/2010/main" w="9525">
+              <a14:hiddenLine xmlns:a14="http://schemas.microsoft.com/office/drawing/2010/main" w="9525">
                 <a:solidFill>
                   <a:schemeClr val="tx1"/>
                 </a:solidFill>
@@ -6289,7 +6294,7 @@
               </a14:hiddenLine>
             </a:ext>
             <a:ext uri="{AF507438-7753-43E0-B8FC-AC1667EBCBE1}">
-              <a14:hiddenEffects xmlns="" xmlns:a14="http://schemas.microsoft.com/office/drawing/2010/main">
+              <a14:hiddenEffects xmlns:a14="http://schemas.microsoft.com/office/drawing/2010/main">
                 <a:effectLst>
                   <a:outerShdw dist="35921" dir="2700000" algn="ctr" rotWithShape="0">
                     <a:schemeClr val="bg2"/>
@@ -6370,7 +6375,7 @@
     </p:spTree>
     <p:extLst>
       <p:ext uri="{BB962C8B-B14F-4D97-AF65-F5344CB8AC3E}">
-        <p14:creationId xmlns="" xmlns:p14="http://schemas.microsoft.com/office/powerpoint/2010/main" val="164985714"/>
+        <p14:creationId xmlns:p14="http://schemas.microsoft.com/office/powerpoint/2010/main" val="164985714"/>
       </p:ext>
     </p:extLst>
   </p:cSld>
@@ -6561,7 +6566,7 @@
     </p:spTree>
     <p:extLst>
       <p:ext uri="{BB962C8B-B14F-4D97-AF65-F5344CB8AC3E}">
-        <p14:creationId xmlns="" xmlns:p14="http://schemas.microsoft.com/office/powerpoint/2010/main" val="452529953"/>
+        <p14:creationId xmlns:p14="http://schemas.microsoft.com/office/powerpoint/2010/main" val="452529953"/>
       </p:ext>
     </p:extLst>
   </p:cSld>
@@ -7712,7 +7717,7 @@
     </p:spTree>
     <p:extLst>
       <p:ext uri="{BB962C8B-B14F-4D97-AF65-F5344CB8AC3E}">
-        <p14:creationId xmlns="" xmlns:p14="http://schemas.microsoft.com/office/powerpoint/2010/main" val="2660802281"/>
+        <p14:creationId xmlns:p14="http://schemas.microsoft.com/office/powerpoint/2010/main" val="2660802281"/>
       </p:ext>
     </p:extLst>
   </p:cSld>
@@ -8440,7 +8445,7 @@
     </p:spTree>
     <p:extLst>
       <p:ext uri="{BB962C8B-B14F-4D97-AF65-F5344CB8AC3E}">
-        <p14:creationId xmlns="" xmlns:p14="http://schemas.microsoft.com/office/powerpoint/2010/main" val="1084378643"/>
+        <p14:creationId xmlns:p14="http://schemas.microsoft.com/office/powerpoint/2010/main" val="1084378643"/>
       </p:ext>
     </p:extLst>
   </p:cSld>
@@ -8586,7 +8591,7 @@
     </p:spTree>
     <p:extLst>
       <p:ext uri="{BB962C8B-B14F-4D97-AF65-F5344CB8AC3E}">
-        <p14:creationId xmlns="" xmlns:p14="http://schemas.microsoft.com/office/powerpoint/2010/main" val="3274056022"/>
+        <p14:creationId xmlns:p14="http://schemas.microsoft.com/office/powerpoint/2010/main" val="3274056022"/>
       </p:ext>
     </p:extLst>
   </p:cSld>
@@ -8735,7 +8740,7 @@
     </p:spTree>
     <p:extLst>
       <p:ext uri="{BB962C8B-B14F-4D97-AF65-F5344CB8AC3E}">
-        <p14:creationId xmlns="" xmlns:p14="http://schemas.microsoft.com/office/powerpoint/2010/main" val="1107589570"/>
+        <p14:creationId xmlns:p14="http://schemas.microsoft.com/office/powerpoint/2010/main" val="1107589570"/>
       </p:ext>
     </p:extLst>
   </p:cSld>
@@ -8877,7 +8882,7 @@
     </p:spTree>
     <p:extLst>
       <p:ext uri="{BB962C8B-B14F-4D97-AF65-F5344CB8AC3E}">
-        <p14:creationId xmlns="" xmlns:p14="http://schemas.microsoft.com/office/powerpoint/2010/main" val="985551303"/>
+        <p14:creationId xmlns:p14="http://schemas.microsoft.com/office/powerpoint/2010/main" val="985551303"/>
       </p:ext>
     </p:extLst>
   </p:cSld>
@@ -9774,7 +9779,7 @@
                 <a:ea typeface="Calibri"/>
                 <a:cs typeface="Times New Roman"/>
               </a:rPr>
-              <a:t>XG’</a:t>
+              <a:t>X’</a:t>
             </a:r>
             <a:r>
               <a:rPr lang="en-US" sz="1600" dirty="0" smtClean="0">
@@ -9858,7 +9863,7 @@
     </p:spTree>
     <p:extLst>
       <p:ext uri="{BB962C8B-B14F-4D97-AF65-F5344CB8AC3E}">
-        <p14:creationId xmlns="" xmlns:p14="http://schemas.microsoft.com/office/powerpoint/2010/main" val="1739224745"/>
+        <p14:creationId xmlns:p14="http://schemas.microsoft.com/office/powerpoint/2010/main" val="1739224745"/>
       </p:ext>
     </p:extLst>
   </p:cSld>
@@ -10073,7 +10078,7 @@
     </p:spTree>
     <p:extLst>
       <p:ext uri="{BB962C8B-B14F-4D97-AF65-F5344CB8AC3E}">
-        <p14:creationId xmlns="" xmlns:p14="http://schemas.microsoft.com/office/powerpoint/2010/main" val="2637965007"/>
+        <p14:creationId xmlns:p14="http://schemas.microsoft.com/office/powerpoint/2010/main" val="2637965007"/>
       </p:ext>
     </p:extLst>
   </p:cSld>
@@ -10296,7 +10301,7 @@
     </p:spTree>
     <p:extLst>
       <p:ext uri="{BB962C8B-B14F-4D97-AF65-F5344CB8AC3E}">
-        <p14:creationId xmlns="" xmlns:p14="http://schemas.microsoft.com/office/powerpoint/2010/main" val="1008504266"/>
+        <p14:creationId xmlns:p14="http://schemas.microsoft.com/office/powerpoint/2010/main" val="1008504266"/>
       </p:ext>
     </p:extLst>
   </p:cSld>
@@ -10466,7 +10471,7 @@
     </p:spTree>
     <p:extLst>
       <p:ext uri="{BB962C8B-B14F-4D97-AF65-F5344CB8AC3E}">
-        <p14:creationId xmlns="" xmlns:p14="http://schemas.microsoft.com/office/powerpoint/2010/main" val="1591911929"/>
+        <p14:creationId xmlns:p14="http://schemas.microsoft.com/office/powerpoint/2010/main" val="1591911929"/>
       </p:ext>
     </p:extLst>
   </p:cSld>
@@ -10616,7 +10621,7 @@
     </p:spTree>
     <p:extLst>
       <p:ext uri="{BB962C8B-B14F-4D97-AF65-F5344CB8AC3E}">
-        <p14:creationId xmlns="" xmlns:p14="http://schemas.microsoft.com/office/powerpoint/2010/main" val="2258486064"/>
+        <p14:creationId xmlns:p14="http://schemas.microsoft.com/office/powerpoint/2010/main" val="2258486064"/>
       </p:ext>
     </p:extLst>
   </p:cSld>
@@ -10686,7 +10691,7 @@
           <a:blip r:embed="rId3" cstate="print">
             <a:extLst>
               <a:ext uri="{28A0092B-C50C-407E-A947-70E740481C1C}">
-                <a14:useLocalDpi xmlns="" xmlns:a14="http://schemas.microsoft.com/office/drawing/2010/main" val="0"/>
+                <a14:useLocalDpi xmlns:a14="http://schemas.microsoft.com/office/drawing/2010/main" val="0"/>
               </a:ext>
             </a:extLst>
           </a:blip>
@@ -10706,7 +10711,7 @@
           <a:noFill/>
           <a:extLst>
             <a:ext uri="{909E8E84-426E-40DD-AFC4-6F175D3DCCD1}">
-              <a14:hiddenFill xmlns="" xmlns:a14="http://schemas.microsoft.com/office/drawing/2010/main">
+              <a14:hiddenFill xmlns:a14="http://schemas.microsoft.com/office/drawing/2010/main">
                 <a:solidFill>
                   <a:srgbClr val="FFFFFF"/>
                 </a:solidFill>
@@ -10718,7 +10723,7 @@
     </p:spTree>
     <p:extLst>
       <p:ext uri="{BB962C8B-B14F-4D97-AF65-F5344CB8AC3E}">
-        <p14:creationId xmlns="" xmlns:p14="http://schemas.microsoft.com/office/powerpoint/2010/main" val="662594139"/>
+        <p14:creationId xmlns:p14="http://schemas.microsoft.com/office/powerpoint/2010/main" val="662594139"/>
       </p:ext>
     </p:extLst>
   </p:cSld>
@@ -10819,6 +10824,13 @@
     <a:masterClrMapping/>
   </p:clrMapOvr>
   <p:transition spd="slow"/>
+  <p:timing>
+    <p:tnLst>
+      <p:par>
+        <p:cTn id="1" dur="indefinite" restart="never" nodeType="tmRoot"/>
+      </p:par>
+    </p:tnLst>
+  </p:timing>
 </p:sld>
 </file>
 
@@ -10903,6 +10915,13 @@
     <a:masterClrMapping/>
   </p:clrMapOvr>
   <p:transition spd="slow"/>
+  <p:timing>
+    <p:tnLst>
+      <p:par>
+        <p:cTn id="1" dur="indefinite" restart="never" nodeType="tmRoot"/>
+      </p:par>
+    </p:tnLst>
+  </p:timing>
 </p:sld>
 </file>
 
@@ -10948,8 +10967,12 @@
               <a:buNone/>
             </a:pPr>
             <a:r>
+              <a:rPr lang="pt-BR" dirty="0" err="1" smtClean="0"/>
+              <a:t>package</a:t>
+            </a:r>
+            <a:r>
               <a:rPr lang="pt-BR" dirty="0" smtClean="0"/>
-              <a:t>package [</a:t>
+              <a:t> </a:t>
             </a:r>
             <a:r>
               <a:rPr lang="pt-BR" dirty="0" err="1" smtClean="0"/>
@@ -10957,7 +10980,7 @@
             </a:r>
             <a:r>
               <a:rPr lang="pt-BR" dirty="0" smtClean="0"/>
-              <a:t>].[</a:t>
+              <a:t>.[</a:t>
             </a:r>
             <a:r>
               <a:rPr lang="pt-BR" dirty="0" err="1" smtClean="0"/>
@@ -11065,6 +11088,13 @@
     <a:masterClrMapping/>
   </p:clrMapOvr>
   <p:transition spd="slow"/>
+  <p:timing>
+    <p:tnLst>
+      <p:par>
+        <p:cTn id="1" dur="indefinite" restart="never" nodeType="tmRoot"/>
+      </p:par>
+    </p:tnLst>
+  </p:timing>
 </p:sld>
 </file>
 
@@ -11155,6 +11185,13 @@
     <a:masterClrMapping/>
   </p:clrMapOvr>
   <p:transition spd="slow"/>
+  <p:timing>
+    <p:tnLst>
+      <p:par>
+        <p:cTn id="1" dur="indefinite" restart="never" nodeType="tmRoot"/>
+      </p:par>
+    </p:tnLst>
+  </p:timing>
 </p:sld>
 </file>
 
@@ -11312,6 +11349,13 @@
     <a:masterClrMapping/>
   </p:clrMapOvr>
   <p:transition spd="slow"/>
+  <p:timing>
+    <p:tnLst>
+      <p:par>
+        <p:cTn id="1" dur="indefinite" restart="never" nodeType="tmRoot"/>
+      </p:par>
+    </p:tnLst>
+  </p:timing>
 </p:sld>
 </file>
 
@@ -11456,6 +11500,13 @@
     <a:masterClrMapping/>
   </p:clrMapOvr>
   <p:transition spd="slow"/>
+  <p:timing>
+    <p:tnLst>
+      <p:par>
+        <p:cTn id="1" dur="indefinite" restart="never" nodeType="tmRoot"/>
+      </p:par>
+    </p:tnLst>
+  </p:timing>
 </p:sld>
 </file>
 
@@ -11579,6 +11630,13 @@
     <a:masterClrMapping/>
   </p:clrMapOvr>
   <p:transition spd="slow"/>
+  <p:timing>
+    <p:tnLst>
+      <p:par>
+        <p:cTn id="1" dur="indefinite" restart="never" nodeType="tmRoot"/>
+      </p:par>
+    </p:tnLst>
+  </p:timing>
 </p:sld>
 </file>
 
@@ -11667,7 +11725,7 @@
     </p:spTree>
     <p:extLst>
       <p:ext uri="{BB962C8B-B14F-4D97-AF65-F5344CB8AC3E}">
-        <p14:creationId xmlns="" xmlns:p14="http://schemas.microsoft.com/office/powerpoint/2010/main" val="3932292941"/>
+        <p14:creationId xmlns:p14="http://schemas.microsoft.com/office/powerpoint/2010/main" val="3932292941"/>
       </p:ext>
     </p:extLst>
   </p:cSld>
@@ -11714,7 +11772,7 @@
           <a:blip r:embed="rId3" cstate="print">
             <a:extLst>
               <a:ext uri="{28A0092B-C50C-407E-A947-70E740481C1C}">
-                <a14:useLocalDpi xmlns="" xmlns:a14="http://schemas.microsoft.com/office/drawing/2010/main" val="0"/>
+                <a14:useLocalDpi xmlns:a14="http://schemas.microsoft.com/office/drawing/2010/main" val="0"/>
               </a:ext>
             </a:extLst>
           </a:blip>
@@ -11738,14 +11796,14 @@
           <a:effectLst/>
           <a:extLst>
             <a:ext uri="{909E8E84-426E-40DD-AFC4-6F175D3DCCD1}">
-              <a14:hiddenFill xmlns="" xmlns:a14="http://schemas.microsoft.com/office/drawing/2010/main">
+              <a14:hiddenFill xmlns:a14="http://schemas.microsoft.com/office/drawing/2010/main">
                 <a:solidFill>
                   <a:schemeClr val="accent1"/>
                 </a:solidFill>
               </a14:hiddenFill>
             </a:ext>
             <a:ext uri="{91240B29-F687-4F45-9708-019B960494DF}">
-              <a14:hiddenLine xmlns="" xmlns:a14="http://schemas.microsoft.com/office/drawing/2010/main" w="9525">
+              <a14:hiddenLine xmlns:a14="http://schemas.microsoft.com/office/drawing/2010/main" w="9525">
                 <a:solidFill>
                   <a:schemeClr val="tx1"/>
                 </a:solidFill>
@@ -11755,7 +11813,7 @@
               </a14:hiddenLine>
             </a:ext>
             <a:ext uri="{AF507438-7753-43E0-B8FC-AC1667EBCBE1}">
-              <a14:hiddenEffects xmlns="" xmlns:a14="http://schemas.microsoft.com/office/drawing/2010/main">
+              <a14:hiddenEffects xmlns:a14="http://schemas.microsoft.com/office/drawing/2010/main">
                 <a:effectLst>
                   <a:outerShdw dist="35921" dir="2700000" algn="ctr" rotWithShape="0">
                     <a:schemeClr val="bg2"/>
@@ -11769,7 +11827,7 @@
     </p:spTree>
     <p:extLst>
       <p:ext uri="{BB962C8B-B14F-4D97-AF65-F5344CB8AC3E}">
-        <p14:creationId xmlns="" xmlns:p14="http://schemas.microsoft.com/office/powerpoint/2010/main" val="2596124253"/>
+        <p14:creationId xmlns:p14="http://schemas.microsoft.com/office/powerpoint/2010/main" val="2596124253"/>
       </p:ext>
     </p:extLst>
   </p:cSld>
@@ -12604,7 +12662,7 @@
     </p:spTree>
     <p:extLst>
       <p:ext uri="{BB962C8B-B14F-4D97-AF65-F5344CB8AC3E}">
-        <p14:creationId xmlns="" xmlns:p14="http://schemas.microsoft.com/office/powerpoint/2010/main" val="1941167194"/>
+        <p14:creationId xmlns:p14="http://schemas.microsoft.com/office/powerpoint/2010/main" val="1941167194"/>
       </p:ext>
     </p:extLst>
   </p:cSld>
@@ -13993,7 +14051,7 @@
     </p:spTree>
     <p:extLst>
       <p:ext uri="{BB962C8B-B14F-4D97-AF65-F5344CB8AC3E}">
-        <p14:creationId xmlns="" xmlns:p14="http://schemas.microsoft.com/office/powerpoint/2010/main" val="1549800252"/>
+        <p14:creationId xmlns:p14="http://schemas.microsoft.com/office/powerpoint/2010/main" val="1549800252"/>
       </p:ext>
     </p:extLst>
   </p:cSld>
@@ -15066,7 +15124,7 @@
     </p:spTree>
     <p:extLst>
       <p:ext uri="{BB962C8B-B14F-4D97-AF65-F5344CB8AC3E}">
-        <p14:creationId xmlns="" xmlns:p14="http://schemas.microsoft.com/office/powerpoint/2010/main" val="1661450368"/>
+        <p14:creationId xmlns:p14="http://schemas.microsoft.com/office/powerpoint/2010/main" val="1661450368"/>
       </p:ext>
     </p:extLst>
   </p:cSld>
@@ -15944,7 +16002,7 @@
     </p:spTree>
     <p:extLst>
       <p:ext uri="{BB962C8B-B14F-4D97-AF65-F5344CB8AC3E}">
-        <p14:creationId xmlns="" xmlns:p14="http://schemas.microsoft.com/office/powerpoint/2010/main" val="1366203076"/>
+        <p14:creationId xmlns:p14="http://schemas.microsoft.com/office/powerpoint/2010/main" val="1366203076"/>
       </p:ext>
     </p:extLst>
   </p:cSld>
@@ -16802,7 +16860,7 @@
     </p:spTree>
     <p:extLst>
       <p:ext uri="{BB962C8B-B14F-4D97-AF65-F5344CB8AC3E}">
-        <p14:creationId xmlns="" xmlns:p14="http://schemas.microsoft.com/office/powerpoint/2010/main" val="1366203076"/>
+        <p14:creationId xmlns:p14="http://schemas.microsoft.com/office/powerpoint/2010/main" val="1366203076"/>
       </p:ext>
     </p:extLst>
   </p:cSld>
